--- a/Presentasi.pptx
+++ b/Presentasi.pptx
@@ -19,8 +19,8 @@
     <p:sldId id="272" r:id="rId13"/>
     <p:sldId id="273" r:id="rId14"/>
     <p:sldId id="275" r:id="rId15"/>
-    <p:sldId id="276" r:id="rId16"/>
-    <p:sldId id="277" r:id="rId17"/>
+    <p:sldId id="280" r:id="rId16"/>
+    <p:sldId id="281" r:id="rId17"/>
     <p:sldId id="279" r:id="rId18"/>
     <p:sldId id="278" r:id="rId19"/>
   </p:sldIdLst>
@@ -228,7 +228,7 @@
           <a:p>
             <a:fld id="{3D3DD571-E22F-4A38-B450-8CCBD829A548}" type="datetimeFigureOut">
               <a:rPr lang="en-US"/>
-              <a:t>10/5/2023</a:t>
+              <a:t>10/10/23</a:t>
             </a:fld>
             <a:endParaRPr lang="en-US" dirty="0"/>
           </a:p>
@@ -742,7 +742,7 @@
           <a:p>
             <a:fld id="{703E2F8D-62B3-48AF-BAF5-944399905ED0}" type="datetimeFigureOut">
               <a:rPr lang="en-US" smtClean="0"/>
-              <a:t>10/5/2023</a:t>
+              <a:t>10/10/23</a:t>
             </a:fld>
             <a:endParaRPr lang="en-US" dirty="0"/>
           </a:p>
@@ -956,7 +956,7 @@
           <a:p>
             <a:fld id="{703E2F8D-62B3-48AF-BAF5-944399905ED0}" type="datetimeFigureOut">
               <a:rPr lang="en-US" smtClean="0"/>
-              <a:t>10/5/2023</a:t>
+              <a:t>10/10/23</a:t>
             </a:fld>
             <a:endParaRPr lang="en-US" dirty="0"/>
           </a:p>
@@ -1277,7 +1277,7 @@
             <a:fld id="{8BEEBAAA-29B5-4AF5-BC5F-7E580C29002D}" type="datetimeFigureOut">
               <a:rPr lang="en-US" smtClean="0"/>
               <a:pPr/>
-              <a:t>10/5/2023</a:t>
+              <a:t>10/10/23</a:t>
             </a:fld>
             <a:endParaRPr lang="en-US" dirty="0"/>
           </a:p>
@@ -1973,7 +1973,7 @@
           <a:p>
             <a:fld id="{703E2F8D-62B3-48AF-BAF5-944399905ED0}" type="datetimeFigureOut">
               <a:rPr lang="en-US" smtClean="0"/>
-              <a:t>10/5/2023</a:t>
+              <a:t>10/10/23</a:t>
             </a:fld>
             <a:endParaRPr lang="en-US" dirty="0"/>
           </a:p>
@@ -2400,7 +2400,7 @@
           <a:p>
             <a:fld id="{703E2F8D-62B3-48AF-BAF5-944399905ED0}" type="datetimeFigureOut">
               <a:rPr lang="en-US" smtClean="0"/>
-              <a:t>10/5/2023</a:t>
+              <a:t>10/10/23</a:t>
             </a:fld>
             <a:endParaRPr lang="en-US" dirty="0"/>
           </a:p>
@@ -2549,7 +2549,7 @@
           <a:p>
             <a:fld id="{703E2F8D-62B3-48AF-BAF5-944399905ED0}" type="datetimeFigureOut">
               <a:rPr lang="en-US" smtClean="0"/>
-              <a:t>10/5/2023</a:t>
+              <a:t>10/10/23</a:t>
             </a:fld>
             <a:endParaRPr lang="en-US" dirty="0"/>
           </a:p>
@@ -2662,7 +2662,7 @@
           <a:p>
             <a:fld id="{703E2F8D-62B3-48AF-BAF5-944399905ED0}" type="datetimeFigureOut">
               <a:rPr lang="en-US" smtClean="0"/>
-              <a:t>10/5/2023</a:t>
+              <a:t>10/10/23</a:t>
             </a:fld>
             <a:endParaRPr lang="en-US" dirty="0"/>
           </a:p>
@@ -2982,7 +2982,7 @@
           <a:p>
             <a:fld id="{703E2F8D-62B3-48AF-BAF5-944399905ED0}" type="datetimeFigureOut">
               <a:rPr lang="en-US" smtClean="0"/>
-              <a:t>10/5/2023</a:t>
+              <a:t>10/10/23</a:t>
             </a:fld>
             <a:endParaRPr lang="en-US" dirty="0"/>
           </a:p>
@@ -3282,7 +3282,7 @@
           <a:p>
             <a:fld id="{703E2F8D-62B3-48AF-BAF5-944399905ED0}" type="datetimeFigureOut">
               <a:rPr lang="en-US" smtClean="0"/>
-              <a:t>10/5/2023</a:t>
+              <a:t>10/10/23</a:t>
             </a:fld>
             <a:endParaRPr lang="en-US" dirty="0"/>
           </a:p>
@@ -3526,7 +3526,7 @@
           <a:p>
             <a:fld id="{703E2F8D-62B3-48AF-BAF5-944399905ED0}" type="datetimeFigureOut">
               <a:rPr lang="en-US" smtClean="0"/>
-              <a:t>10/5/2023</a:t>
+              <a:t>10/10/23</a:t>
             </a:fld>
             <a:endParaRPr lang="en-US" dirty="0"/>
           </a:p>
@@ -4994,12 +4994,108 @@
           </a:p>
         </p:txBody>
       </p:sp>
+      <p:sp>
+        <p:nvSpPr>
+          <p:cNvPr id="8" name="TextBox 7">
+            <a:extLst>
+              <a:ext uri="{FF2B5EF4-FFF2-40B4-BE49-F238E27FC236}">
+                <a16:creationId xmlns:a16="http://schemas.microsoft.com/office/drawing/2014/main" id="{CB6B9D50-BAAF-6AEF-A352-3384937B858D}"/>
+              </a:ext>
+            </a:extLst>
+          </p:cNvPr>
+          <p:cNvSpPr txBox="1"/>
+          <p:nvPr/>
+        </p:nvSpPr>
+        <p:spPr>
+          <a:xfrm>
+            <a:off x="4999036" y="5709897"/>
+            <a:ext cx="2193925" cy="276999"/>
+          </a:xfrm>
+          <a:prstGeom prst="rect">
+            <a:avLst/>
+          </a:prstGeom>
+          <a:noFill/>
+        </p:spPr>
+        <p:txBody>
+          <a:bodyPr wrap="square" rtlCol="0">
+            <a:spAutoFit/>
+          </a:bodyPr>
+          <a:lstStyle/>
+          <a:p>
+            <a:pPr algn="ctr"/>
+            <a:r>
+              <a:rPr lang="en-US" sz="1200" b="1" noProof="1"/>
+              <a:t>Gambar 10.</a:t>
+            </a:r>
+            <a:endParaRPr lang="en-US" sz="1200" noProof="1"/>
+          </a:p>
+        </p:txBody>
+      </p:sp>
+      <p:sp>
+        <p:nvSpPr>
+          <p:cNvPr id="5" name="TextBox 4">
+            <a:extLst>
+              <a:ext uri="{FF2B5EF4-FFF2-40B4-BE49-F238E27FC236}">
+                <a16:creationId xmlns:a16="http://schemas.microsoft.com/office/drawing/2014/main" id="{8C105508-03F6-3A37-F760-0CFBCF30C18F}"/>
+              </a:ext>
+            </a:extLst>
+          </p:cNvPr>
+          <p:cNvSpPr txBox="1"/>
+          <p:nvPr/>
+        </p:nvSpPr>
+        <p:spPr>
+          <a:xfrm>
+            <a:off x="3989742" y="1212270"/>
+            <a:ext cx="2698734" cy="861774"/>
+          </a:xfrm>
+          <a:prstGeom prst="rect">
+            <a:avLst/>
+          </a:prstGeom>
+          <a:noFill/>
+        </p:spPr>
+        <p:txBody>
+          <a:bodyPr wrap="square" rtlCol="0">
+            <a:spAutoFit/>
+          </a:bodyPr>
+          <a:lstStyle/>
+          <a:p>
+            <a:r>
+              <a:rPr lang="en-US" sz="1000" dirty="0"/>
+              <a:t>MAE 	: 5232.205862127191</a:t>
+            </a:r>
+          </a:p>
+          <a:p>
+            <a:r>
+              <a:rPr lang="en-US" sz="1000" dirty="0"/>
+              <a:t>MAPE 	: 0.717559</a:t>
+            </a:r>
+          </a:p>
+          <a:p>
+            <a:r>
+              <a:rPr lang="en-US" sz="1000" dirty="0"/>
+              <a:t>MSE 	: 31580265.055256058</a:t>
+            </a:r>
+          </a:p>
+          <a:p>
+            <a:r>
+              <a:rPr lang="en-US" sz="1000" dirty="0"/>
+              <a:t>RMSE 	: 5619.632110312566</a:t>
+            </a:r>
+          </a:p>
+          <a:p>
+            <a:r>
+              <a:rPr lang="en-US" sz="1000" dirty="0"/>
+              <a:t>SSE 	: 2614298140.496744</a:t>
+            </a:r>
+          </a:p>
+        </p:txBody>
+      </p:sp>
       <p:pic>
         <p:nvPicPr>
-          <p:cNvPr id="4" name="Picture 3">
-            <a:extLst>
-              <a:ext uri="{FF2B5EF4-FFF2-40B4-BE49-F238E27FC236}">
-                <a16:creationId xmlns:a16="http://schemas.microsoft.com/office/drawing/2014/main" id="{1F49DC19-05D8-16C4-7124-1B79D7406C43}"/>
+          <p:cNvPr id="6" name="Picture 5">
+            <a:extLst>
+              <a:ext uri="{FF2B5EF4-FFF2-40B4-BE49-F238E27FC236}">
+                <a16:creationId xmlns:a16="http://schemas.microsoft.com/office/drawing/2014/main" id="{15BD4D7A-7303-F843-9917-2F9CB6106A1E}"/>
               </a:ext>
             </a:extLst>
           </p:cNvPr>
@@ -5016,50 +5112,14 @@
         </p:blipFill>
         <p:spPr>
           <a:xfrm>
-            <a:off x="3411987" y="1682151"/>
-            <a:ext cx="4886625" cy="3953145"/>
+            <a:off x="3780860" y="2191633"/>
+            <a:ext cx="4630276" cy="3454097"/>
           </a:xfrm>
           <a:prstGeom prst="rect">
             <a:avLst/>
           </a:prstGeom>
         </p:spPr>
       </p:pic>
-      <p:sp>
-        <p:nvSpPr>
-          <p:cNvPr id="8" name="TextBox 7">
-            <a:extLst>
-              <a:ext uri="{FF2B5EF4-FFF2-40B4-BE49-F238E27FC236}">
-                <a16:creationId xmlns:a16="http://schemas.microsoft.com/office/drawing/2014/main" id="{CB6B9D50-BAAF-6AEF-A352-3384937B858D}"/>
-              </a:ext>
-            </a:extLst>
-          </p:cNvPr>
-          <p:cNvSpPr txBox="1"/>
-          <p:nvPr/>
-        </p:nvSpPr>
-        <p:spPr>
-          <a:xfrm>
-            <a:off x="5122323" y="5649761"/>
-            <a:ext cx="2193925" cy="276999"/>
-          </a:xfrm>
-          <a:prstGeom prst="rect">
-            <a:avLst/>
-          </a:prstGeom>
-          <a:noFill/>
-        </p:spPr>
-        <p:txBody>
-          <a:bodyPr wrap="square" rtlCol="0">
-            <a:spAutoFit/>
-          </a:bodyPr>
-          <a:lstStyle/>
-          <a:p>
-            <a:r>
-              <a:rPr lang="en-US" sz="1200" b="1" noProof="1"/>
-              <a:t>Gambar 10.</a:t>
-            </a:r>
-            <a:endParaRPr lang="en-US" sz="1200" noProof="1"/>
-          </a:p>
-        </p:txBody>
-      </p:sp>
     </p:spTree>
     <p:extLst>
       <p:ext uri="{BB962C8B-B14F-4D97-AF65-F5344CB8AC3E}">
@@ -5128,12 +5188,108 @@
           </a:p>
         </p:txBody>
       </p:sp>
+      <p:sp>
+        <p:nvSpPr>
+          <p:cNvPr id="8" name="TextBox 7">
+            <a:extLst>
+              <a:ext uri="{FF2B5EF4-FFF2-40B4-BE49-F238E27FC236}">
+                <a16:creationId xmlns:a16="http://schemas.microsoft.com/office/drawing/2014/main" id="{CB6B9D50-BAAF-6AEF-A352-3384937B858D}"/>
+              </a:ext>
+            </a:extLst>
+          </p:cNvPr>
+          <p:cNvSpPr txBox="1"/>
+          <p:nvPr/>
+        </p:nvSpPr>
+        <p:spPr>
+          <a:xfrm>
+            <a:off x="4999036" y="5709897"/>
+            <a:ext cx="2193925" cy="276999"/>
+          </a:xfrm>
+          <a:prstGeom prst="rect">
+            <a:avLst/>
+          </a:prstGeom>
+          <a:noFill/>
+        </p:spPr>
+        <p:txBody>
+          <a:bodyPr wrap="square" rtlCol="0">
+            <a:spAutoFit/>
+          </a:bodyPr>
+          <a:lstStyle/>
+          <a:p>
+            <a:pPr algn="ctr"/>
+            <a:r>
+              <a:rPr lang="en-US" sz="1200" b="1" noProof="1"/>
+              <a:t>Gambar 11.</a:t>
+            </a:r>
+            <a:endParaRPr lang="en-US" sz="1200" noProof="1"/>
+          </a:p>
+        </p:txBody>
+      </p:sp>
+      <p:sp>
+        <p:nvSpPr>
+          <p:cNvPr id="5" name="TextBox 4">
+            <a:extLst>
+              <a:ext uri="{FF2B5EF4-FFF2-40B4-BE49-F238E27FC236}">
+                <a16:creationId xmlns:a16="http://schemas.microsoft.com/office/drawing/2014/main" id="{8C105508-03F6-3A37-F760-0CFBCF30C18F}"/>
+              </a:ext>
+            </a:extLst>
+          </p:cNvPr>
+          <p:cNvSpPr txBox="1"/>
+          <p:nvPr/>
+        </p:nvSpPr>
+        <p:spPr>
+          <a:xfrm>
+            <a:off x="3989742" y="1212270"/>
+            <a:ext cx="2698734" cy="861774"/>
+          </a:xfrm>
+          <a:prstGeom prst="rect">
+            <a:avLst/>
+          </a:prstGeom>
+          <a:noFill/>
+        </p:spPr>
+        <p:txBody>
+          <a:bodyPr wrap="square" rtlCol="0">
+            <a:spAutoFit/>
+          </a:bodyPr>
+          <a:lstStyle/>
+          <a:p>
+            <a:r>
+              <a:rPr lang="en-US" sz="1000" dirty="0"/>
+              <a:t>MAE 	: 6240.581315085433</a:t>
+            </a:r>
+          </a:p>
+          <a:p>
+            <a:r>
+              <a:rPr lang="en-US" sz="1000" dirty="0"/>
+              <a:t>MAPE 	: 0.818295</a:t>
+            </a:r>
+          </a:p>
+          <a:p>
+            <a:r>
+              <a:rPr lang="en-US" sz="1000" dirty="0"/>
+              <a:t>MSE 	: 50367439.287236296</a:t>
+            </a:r>
+          </a:p>
+          <a:p>
+            <a:r>
+              <a:rPr lang="en-US" sz="1000" dirty="0"/>
+              <a:t>RMSE 	: 7097.002133805252</a:t>
+            </a:r>
+          </a:p>
+          <a:p>
+            <a:r>
+              <a:rPr lang="en-US" sz="1000" dirty="0"/>
+              <a:t>SSE 	: 2377048643.7006955</a:t>
+            </a:r>
+          </a:p>
+        </p:txBody>
+      </p:sp>
       <p:pic>
         <p:nvPicPr>
-          <p:cNvPr id="5" name="Picture 4">
-            <a:extLst>
-              <a:ext uri="{FF2B5EF4-FFF2-40B4-BE49-F238E27FC236}">
-                <a16:creationId xmlns:a16="http://schemas.microsoft.com/office/drawing/2014/main" id="{E61B182B-29D7-419E-F403-1EA244D5F916}"/>
+          <p:cNvPr id="3" name="Picture 2">
+            <a:extLst>
+              <a:ext uri="{FF2B5EF4-FFF2-40B4-BE49-F238E27FC236}">
+                <a16:creationId xmlns:a16="http://schemas.microsoft.com/office/drawing/2014/main" id="{99757155-931F-AEEA-74F4-5382DB41DC3F}"/>
               </a:ext>
             </a:extLst>
           </p:cNvPr>
@@ -5150,54 +5306,18 @@
         </p:blipFill>
         <p:spPr>
           <a:xfrm>
-            <a:off x="3349918" y="1682151"/>
-            <a:ext cx="4948694" cy="4005057"/>
+            <a:off x="3780860" y="2191633"/>
+            <a:ext cx="4630276" cy="3454097"/>
           </a:xfrm>
           <a:prstGeom prst="rect">
             <a:avLst/>
           </a:prstGeom>
         </p:spPr>
       </p:pic>
-      <p:sp>
-        <p:nvSpPr>
-          <p:cNvPr id="7" name="TextBox 6">
-            <a:extLst>
-              <a:ext uri="{FF2B5EF4-FFF2-40B4-BE49-F238E27FC236}">
-                <a16:creationId xmlns:a16="http://schemas.microsoft.com/office/drawing/2014/main" id="{02F80CD3-1A13-D960-F0C8-78B6D6B516DB}"/>
-              </a:ext>
-            </a:extLst>
-          </p:cNvPr>
-          <p:cNvSpPr txBox="1"/>
-          <p:nvPr/>
-        </p:nvSpPr>
-        <p:spPr>
-          <a:xfrm>
-            <a:off x="5122323" y="5649761"/>
-            <a:ext cx="2193925" cy="276999"/>
-          </a:xfrm>
-          <a:prstGeom prst="rect">
-            <a:avLst/>
-          </a:prstGeom>
-          <a:noFill/>
-        </p:spPr>
-        <p:txBody>
-          <a:bodyPr wrap="square" rtlCol="0">
-            <a:spAutoFit/>
-          </a:bodyPr>
-          <a:lstStyle/>
-          <a:p>
-            <a:r>
-              <a:rPr lang="en-US" sz="1200" b="1" noProof="1"/>
-              <a:t>Gambar 10.</a:t>
-            </a:r>
-            <a:endParaRPr lang="en-US" sz="1200" noProof="1"/>
-          </a:p>
-        </p:txBody>
-      </p:sp>
     </p:spTree>
     <p:extLst>
       <p:ext uri="{BB962C8B-B14F-4D97-AF65-F5344CB8AC3E}">
-        <p14:creationId xmlns:p14="http://schemas.microsoft.com/office/powerpoint/2010/main" val="2901592915"/>
+        <p14:creationId xmlns:p14="http://schemas.microsoft.com/office/powerpoint/2010/main" val="4007903100"/>
       </p:ext>
     </p:extLst>
   </p:cSld>
@@ -5262,12 +5382,108 @@
           </a:p>
         </p:txBody>
       </p:sp>
+      <p:sp>
+        <p:nvSpPr>
+          <p:cNvPr id="8" name="TextBox 7">
+            <a:extLst>
+              <a:ext uri="{FF2B5EF4-FFF2-40B4-BE49-F238E27FC236}">
+                <a16:creationId xmlns:a16="http://schemas.microsoft.com/office/drawing/2014/main" id="{CB6B9D50-BAAF-6AEF-A352-3384937B858D}"/>
+              </a:ext>
+            </a:extLst>
+          </p:cNvPr>
+          <p:cNvSpPr txBox="1"/>
+          <p:nvPr/>
+        </p:nvSpPr>
+        <p:spPr>
+          <a:xfrm>
+            <a:off x="4999036" y="5709897"/>
+            <a:ext cx="2193925" cy="276999"/>
+          </a:xfrm>
+          <a:prstGeom prst="rect">
+            <a:avLst/>
+          </a:prstGeom>
+          <a:noFill/>
+        </p:spPr>
+        <p:txBody>
+          <a:bodyPr wrap="square" rtlCol="0">
+            <a:spAutoFit/>
+          </a:bodyPr>
+          <a:lstStyle/>
+          <a:p>
+            <a:pPr algn="ctr"/>
+            <a:r>
+              <a:rPr lang="en-US" sz="1200" b="1" noProof="1"/>
+              <a:t>Gambar 12.</a:t>
+            </a:r>
+            <a:endParaRPr lang="en-US" sz="1200" noProof="1"/>
+          </a:p>
+        </p:txBody>
+      </p:sp>
+      <p:sp>
+        <p:nvSpPr>
+          <p:cNvPr id="5" name="TextBox 4">
+            <a:extLst>
+              <a:ext uri="{FF2B5EF4-FFF2-40B4-BE49-F238E27FC236}">
+                <a16:creationId xmlns:a16="http://schemas.microsoft.com/office/drawing/2014/main" id="{8C105508-03F6-3A37-F760-0CFBCF30C18F}"/>
+              </a:ext>
+            </a:extLst>
+          </p:cNvPr>
+          <p:cNvSpPr txBox="1"/>
+          <p:nvPr/>
+        </p:nvSpPr>
+        <p:spPr>
+          <a:xfrm>
+            <a:off x="3989742" y="1212270"/>
+            <a:ext cx="2698734" cy="861774"/>
+          </a:xfrm>
+          <a:prstGeom prst="rect">
+            <a:avLst/>
+          </a:prstGeom>
+          <a:noFill/>
+        </p:spPr>
+        <p:txBody>
+          <a:bodyPr wrap="square" rtlCol="0">
+            <a:spAutoFit/>
+          </a:bodyPr>
+          <a:lstStyle/>
+          <a:p>
+            <a:r>
+              <a:rPr lang="en-US" sz="1000" dirty="0"/>
+              <a:t>MAE 	: 6432.603909582866</a:t>
+            </a:r>
+          </a:p>
+          <a:p>
+            <a:r>
+              <a:rPr lang="en-US" sz="1000" dirty="0"/>
+              <a:t>MAPE 	: 0.805270</a:t>
+            </a:r>
+          </a:p>
+          <a:p>
+            <a:r>
+              <a:rPr lang="en-US" sz="1000" dirty="0"/>
+              <a:t>MSE 	: 58140059.735687315</a:t>
+            </a:r>
+          </a:p>
+          <a:p>
+            <a:r>
+              <a:rPr lang="en-US" sz="1000" dirty="0"/>
+              <a:t>RMSE 	: 7624.962933397599</a:t>
+            </a:r>
+          </a:p>
+          <a:p>
+            <a:r>
+              <a:rPr lang="en-US" sz="1000" dirty="0"/>
+              <a:t>SSE 	: 2022834625.9858558</a:t>
+            </a:r>
+          </a:p>
+        </p:txBody>
+      </p:sp>
       <p:pic>
         <p:nvPicPr>
-          <p:cNvPr id="5" name="Picture 4">
-            <a:extLst>
-              <a:ext uri="{FF2B5EF4-FFF2-40B4-BE49-F238E27FC236}">
-                <a16:creationId xmlns:a16="http://schemas.microsoft.com/office/drawing/2014/main" id="{30DF7FD1-15E8-F584-59C2-09ECE9148E3D}"/>
+          <p:cNvPr id="4" name="Picture 3">
+            <a:extLst>
+              <a:ext uri="{FF2B5EF4-FFF2-40B4-BE49-F238E27FC236}">
+                <a16:creationId xmlns:a16="http://schemas.microsoft.com/office/drawing/2014/main" id="{B47F5068-1D7A-A76D-0E95-17BF47AC77D9}"/>
               </a:ext>
             </a:extLst>
           </p:cNvPr>
@@ -5284,54 +5500,18 @@
         </p:blipFill>
         <p:spPr>
           <a:xfrm>
-            <a:off x="3349918" y="1682151"/>
-            <a:ext cx="4862429" cy="3954299"/>
+            <a:off x="3780860" y="2191634"/>
+            <a:ext cx="4630275" cy="3454096"/>
           </a:xfrm>
           <a:prstGeom prst="rect">
             <a:avLst/>
           </a:prstGeom>
         </p:spPr>
       </p:pic>
-      <p:sp>
-        <p:nvSpPr>
-          <p:cNvPr id="6" name="TextBox 5">
-            <a:extLst>
-              <a:ext uri="{FF2B5EF4-FFF2-40B4-BE49-F238E27FC236}">
-                <a16:creationId xmlns:a16="http://schemas.microsoft.com/office/drawing/2014/main" id="{44D6E5DC-9778-4B64-54E2-7988EC0026D5}"/>
-              </a:ext>
-            </a:extLst>
-          </p:cNvPr>
-          <p:cNvSpPr txBox="1"/>
-          <p:nvPr/>
-        </p:nvSpPr>
-        <p:spPr>
-          <a:xfrm>
-            <a:off x="5122323" y="5649761"/>
-            <a:ext cx="2193925" cy="276999"/>
-          </a:xfrm>
-          <a:prstGeom prst="rect">
-            <a:avLst/>
-          </a:prstGeom>
-          <a:noFill/>
-        </p:spPr>
-        <p:txBody>
-          <a:bodyPr wrap="square" rtlCol="0">
-            <a:spAutoFit/>
-          </a:bodyPr>
-          <a:lstStyle/>
-          <a:p>
-            <a:r>
-              <a:rPr lang="en-US" sz="1200" b="1" noProof="1"/>
-              <a:t>Gambar 10.</a:t>
-            </a:r>
-            <a:endParaRPr lang="en-US" sz="1200" noProof="1"/>
-          </a:p>
-        </p:txBody>
-      </p:sp>
     </p:spTree>
     <p:extLst>
       <p:ext uri="{BB962C8B-B14F-4D97-AF65-F5344CB8AC3E}">
-        <p14:creationId xmlns:p14="http://schemas.microsoft.com/office/powerpoint/2010/main" val="3706060610"/>
+        <p14:creationId xmlns:p14="http://schemas.microsoft.com/office/powerpoint/2010/main" val="146918041"/>
       </p:ext>
     </p:extLst>
   </p:cSld>
@@ -5411,7 +5591,7 @@
           <p:nvPr>
             <p:extLst>
               <p:ext uri="{D42A27DB-BD31-4B8C-83A1-F6EECF244321}">
-                <p14:modId xmlns:p14="http://schemas.microsoft.com/office/powerpoint/2010/main" val="4003442686"/>
+                <p14:modId xmlns:p14="http://schemas.microsoft.com/office/powerpoint/2010/main" val="3715701539"/>
               </p:ext>
             </p:extLst>
           </p:nvPr>
@@ -5555,16 +5735,8 @@
                     <a:lstStyle/>
                     <a:p>
                       <a:r>
-                        <a:rPr lang="en-ID" sz="1800" b="0" i="0" kern="1200" dirty="0">
-                          <a:solidFill>
-                            <a:schemeClr val="dk1"/>
-                          </a:solidFill>
-                          <a:effectLst/>
-                          <a:latin typeface="+mn-lt"/>
-                          <a:ea typeface="+mn-ea"/>
-                          <a:cs typeface="+mn-cs"/>
-                        </a:rPr>
-                        <a:t>5232.206859324642</a:t>
+                        <a:rPr lang="en-US" sz="1800" dirty="0"/>
+                        <a:t>5232.205862127191</a:t>
                       </a:r>
                       <a:endParaRPr lang="en-US" noProof="1"/>
                     </a:p>
@@ -5594,16 +5766,8 @@
                         <a:defRPr/>
                       </a:pPr>
                       <a:r>
-                        <a:rPr lang="en-ID" sz="1800" b="0" i="0" kern="1200" dirty="0">
-                          <a:solidFill>
-                            <a:schemeClr val="dk1"/>
-                          </a:solidFill>
-                          <a:effectLst/>
-                          <a:latin typeface="+mn-lt"/>
-                          <a:ea typeface="+mn-ea"/>
-                          <a:cs typeface="+mn-cs"/>
-                        </a:rPr>
-                        <a:t>3.305981</a:t>
+                        <a:rPr lang="en-US" sz="1800" dirty="0"/>
+                        <a:t>0.717559</a:t>
                       </a:r>
                       <a:endParaRPr lang="en-US" noProof="1"/>
                     </a:p>
@@ -5619,16 +5783,8 @@
                     <a:lstStyle/>
                     <a:p>
                       <a:r>
-                        <a:rPr lang="en-ID" sz="1800" b="0" i="0" kern="1200" dirty="0">
-                          <a:solidFill>
-                            <a:schemeClr val="dk1"/>
-                          </a:solidFill>
-                          <a:effectLst/>
-                          <a:latin typeface="+mn-lt"/>
-                          <a:ea typeface="+mn-ea"/>
-                          <a:cs typeface="+mn-cs"/>
-                        </a:rPr>
-                        <a:t>31580277.226787686</a:t>
+                        <a:rPr lang="en-US" sz="1800" dirty="0"/>
+                        <a:t>31580265.055256058</a:t>
                       </a:r>
                       <a:endParaRPr lang="en-US" noProof="1"/>
                     </a:p>
@@ -5641,16 +5797,8 @@
                     <a:lstStyle/>
                     <a:p>
                       <a:r>
-                        <a:rPr lang="en-ID" sz="1800" b="0" i="0" kern="1200" dirty="0">
-                          <a:solidFill>
-                            <a:schemeClr val="dk1"/>
-                          </a:solidFill>
-                          <a:effectLst/>
-                          <a:latin typeface="+mn-lt"/>
-                          <a:ea typeface="+mn-ea"/>
-                          <a:cs typeface="+mn-cs"/>
-                        </a:rPr>
-                        <a:t>2614298140.282328</a:t>
+                        <a:rPr lang="en-US" sz="1800" dirty="0"/>
+                        <a:t>2614298140.496744</a:t>
                       </a:r>
                       <a:endParaRPr lang="en-US" noProof="1"/>
                     </a:p>
@@ -5703,16 +5851,8 @@
                     <a:lstStyle/>
                     <a:p>
                       <a:r>
-                        <a:rPr lang="en-ID" sz="1800" b="0" i="0" kern="1200" dirty="0">
-                          <a:solidFill>
-                            <a:schemeClr val="dk1"/>
-                          </a:solidFill>
-                          <a:effectLst/>
-                          <a:latin typeface="+mn-lt"/>
-                          <a:ea typeface="+mn-ea"/>
-                          <a:cs typeface="+mn-cs"/>
-                        </a:rPr>
-                        <a:t>6240.581221808229</a:t>
+                        <a:rPr lang="en-US" sz="1800" dirty="0"/>
+                        <a:t>6240.581315085433</a:t>
                       </a:r>
                       <a:endParaRPr lang="en-US" noProof="1"/>
                     </a:p>
@@ -5725,16 +5865,8 @@
                     <a:lstStyle/>
                     <a:p>
                       <a:r>
-                        <a:rPr lang="en-ID" sz="1800" b="0" i="0" kern="1200" dirty="0">
-                          <a:solidFill>
-                            <a:schemeClr val="dk1"/>
-                          </a:solidFill>
-                          <a:effectLst/>
-                          <a:latin typeface="+mn-lt"/>
-                          <a:ea typeface="+mn-ea"/>
-                          <a:cs typeface="+mn-cs"/>
-                        </a:rPr>
-                        <a:t>4.126885</a:t>
+                        <a:rPr lang="en-US" sz="1800" dirty="0"/>
+                        <a:t>0.818295</a:t>
                       </a:r>
                       <a:endParaRPr lang="en-US" noProof="1"/>
                     </a:p>
@@ -5747,16 +5879,8 @@
                     <a:lstStyle/>
                     <a:p>
                       <a:r>
-                        <a:rPr lang="en-ID" sz="1800" b="0" i="0" kern="1200" dirty="0">
-                          <a:solidFill>
-                            <a:schemeClr val="dk1"/>
-                          </a:solidFill>
-                          <a:effectLst/>
-                          <a:latin typeface="+mn-lt"/>
-                          <a:ea typeface="+mn-ea"/>
-                          <a:cs typeface="+mn-cs"/>
-                        </a:rPr>
-                        <a:t>50367438.174467616</a:t>
+                        <a:rPr lang="en-US" sz="1800" dirty="0"/>
+                        <a:t>50367439.287236296</a:t>
                       </a:r>
                       <a:endParaRPr lang="en-US" noProof="1"/>
                     </a:p>
@@ -5769,16 +5893,8 @@
                     <a:lstStyle/>
                     <a:p>
                       <a:r>
-                        <a:rPr lang="en-ID" sz="1800" b="0" i="0" kern="1200" dirty="0">
-                          <a:solidFill>
-                            <a:schemeClr val="dk1"/>
-                          </a:solidFill>
-                          <a:effectLst/>
-                          <a:latin typeface="+mn-lt"/>
-                          <a:ea typeface="+mn-ea"/>
-                          <a:cs typeface="+mn-cs"/>
-                        </a:rPr>
-                        <a:t>2377048640.018875</a:t>
+                        <a:rPr lang="en-US" sz="1800" dirty="0"/>
+                        <a:t>2377048643.7006955</a:t>
                       </a:r>
                       <a:endParaRPr lang="en-US" noProof="1"/>
                     </a:p>
@@ -5831,16 +5947,8 @@
                     <a:lstStyle/>
                     <a:p>
                       <a:r>
-                        <a:rPr lang="en-ID" sz="1800" b="0" i="0" kern="1200" dirty="0">
-                          <a:solidFill>
-                            <a:schemeClr val="dk1"/>
-                          </a:solidFill>
-                          <a:effectLst/>
-                          <a:latin typeface="+mn-lt"/>
-                          <a:ea typeface="+mn-ea"/>
-                          <a:cs typeface="+mn-cs"/>
-                        </a:rPr>
-                        <a:t>6432.603795932203</a:t>
+                        <a:rPr lang="en-US" sz="1800" dirty="0"/>
+                        <a:t>6432.603909582866</a:t>
                       </a:r>
                       <a:endParaRPr lang="en-US" noProof="1"/>
                     </a:p>
@@ -5853,16 +5961,8 @@
                     <a:lstStyle/>
                     <a:p>
                       <a:r>
-                        <a:rPr lang="en-ID" sz="1800" b="0" i="0" kern="1200" dirty="0">
-                          <a:solidFill>
-                            <a:schemeClr val="dk1"/>
-                          </a:solidFill>
-                          <a:effectLst/>
-                          <a:latin typeface="+mn-lt"/>
-                          <a:ea typeface="+mn-ea"/>
-                          <a:cs typeface="+mn-cs"/>
-                        </a:rPr>
-                        <a:t>4.470621</a:t>
+                        <a:rPr lang="en-US" sz="1800" dirty="0"/>
+                        <a:t>0.805270</a:t>
                       </a:r>
                       <a:endParaRPr lang="en-US" noProof="1"/>
                     </a:p>
@@ -5875,16 +5975,8 @@
                     <a:lstStyle/>
                     <a:p>
                       <a:r>
-                        <a:rPr lang="en-ID" sz="1800" b="0" i="0" kern="1200" dirty="0">
-                          <a:solidFill>
-                            <a:schemeClr val="dk1"/>
-                          </a:solidFill>
-                          <a:effectLst/>
-                          <a:latin typeface="+mn-lt"/>
-                          <a:ea typeface="+mn-ea"/>
-                          <a:cs typeface="+mn-cs"/>
-                        </a:rPr>
-                        <a:t>58140056.33637319</a:t>
+                        <a:rPr lang="en-US" sz="1800" dirty="0"/>
+                        <a:t>58140059.735687315</a:t>
                       </a:r>
                       <a:endParaRPr lang="en-US" noProof="1"/>
                     </a:p>
@@ -5897,16 +5989,8 @@
                     <a:lstStyle/>
                     <a:p>
                       <a:r>
-                        <a:rPr lang="en-ID" sz="1800" b="0" i="0" kern="1200" dirty="0">
-                          <a:solidFill>
-                            <a:schemeClr val="dk1"/>
-                          </a:solidFill>
-                          <a:effectLst/>
-                          <a:latin typeface="+mn-lt"/>
-                          <a:ea typeface="+mn-ea"/>
-                          <a:cs typeface="+mn-cs"/>
-                        </a:rPr>
-                        <a:t>2022834623.979646</a:t>
+                        <a:rPr lang="en-US" sz="1800" dirty="0"/>
+                        <a:t>2022834625.9858558</a:t>
                       </a:r>
                       <a:endParaRPr lang="en-US" noProof="1"/>
                     </a:p>
@@ -11885,6 +11969,26 @@
 </file>
 
 <file path=customXml/item1.xml><?xml version="1.0" encoding="utf-8"?>
+<p:properties xmlns:p="http://schemas.microsoft.com/office/2006/metadata/properties" xmlns:xsi="http://www.w3.org/2001/XMLSchema-instance" xmlns:pc="http://schemas.microsoft.com/office/infopath/2007/PartnerControls">
+  <documentManagement>
+    <_ip_UnifiedCompliancePolicyUIAction xmlns="http://schemas.microsoft.com/sharepoint/v3" xsi:nil="true"/>
+    <Image xmlns="71af3243-3dd4-4a8d-8c0d-dd76da1f02a5">
+      <Url xsi:nil="true"/>
+      <Description xsi:nil="true"/>
+    </Image>
+    <Status xmlns="71af3243-3dd4-4a8d-8c0d-dd76da1f02a5">Not started</Status>
+    <Background xmlns="71af3243-3dd4-4a8d-8c0d-dd76da1f02a5">false</Background>
+    <_ip_UnifiedCompliancePolicyProperties xmlns="http://schemas.microsoft.com/sharepoint/v3" xsi:nil="true"/>
+    <ImageTagsTaxHTField xmlns="71af3243-3dd4-4a8d-8c0d-dd76da1f02a5">
+      <Terms xmlns="http://schemas.microsoft.com/office/infopath/2007/PartnerControls"/>
+    </ImageTagsTaxHTField>
+    <TaxCatchAll xmlns="230e9df3-be65-4c73-a93b-d1236ebd677e" xsi:nil="true"/>
+    <MediaServiceKeyPoints xmlns="71af3243-3dd4-4a8d-8c0d-dd76da1f02a5" xsi:nil="true"/>
+  </documentManagement>
+</p:properties>
+</file>
+
+<file path=customXml/item2.xml><?xml version="1.0" encoding="utf-8"?>
 <ct:contentTypeSchema xmlns:ct="http://schemas.microsoft.com/office/2006/metadata/contentType" xmlns:ma="http://schemas.microsoft.com/office/2006/metadata/properties/metaAttributes" ct:_="" ma:_="" ma:contentTypeName="Document" ma:contentTypeID="0x01010079F111ED35F8CC479449609E8A0923A6" ma:contentTypeVersion="26" ma:contentTypeDescription="Create a new document." ma:contentTypeScope="" ma:versionID="ac37c1753acd5e330d2062ccec26ea66">
   <xsd:schema xmlns:xsd="http://www.w3.org/2001/XMLSchema" xmlns:xs="http://www.w3.org/2001/XMLSchema" xmlns:p="http://schemas.microsoft.com/office/2006/metadata/properties" xmlns:ns1="http://schemas.microsoft.com/sharepoint/v3" xmlns:ns2="71af3243-3dd4-4a8d-8c0d-dd76da1f02a5" xmlns:ns3="16c05727-aa75-4e4a-9b5f-8a80a1165891" xmlns:ns4="230e9df3-be65-4c73-a93b-d1236ebd677e" targetNamespace="http://schemas.microsoft.com/office/2006/metadata/properties" ma:root="true" ma:fieldsID="3b340c7101c92c5120abd06486f94548" ns1:_="" ns2:_="" ns3:_="" ns4:_="">
     <xsd:import namespace="http://schemas.microsoft.com/sharepoint/v3"/>
@@ -12184,26 +12288,6 @@
 </ct:contentTypeSchema>
 </file>
 
-<file path=customXml/item2.xml><?xml version="1.0" encoding="utf-8"?>
-<p:properties xmlns:p="http://schemas.microsoft.com/office/2006/metadata/properties" xmlns:xsi="http://www.w3.org/2001/XMLSchema-instance" xmlns:pc="http://schemas.microsoft.com/office/infopath/2007/PartnerControls">
-  <documentManagement>
-    <_ip_UnifiedCompliancePolicyUIAction xmlns="http://schemas.microsoft.com/sharepoint/v3" xsi:nil="true"/>
-    <Image xmlns="71af3243-3dd4-4a8d-8c0d-dd76da1f02a5">
-      <Url xsi:nil="true"/>
-      <Description xsi:nil="true"/>
-    </Image>
-    <Status xmlns="71af3243-3dd4-4a8d-8c0d-dd76da1f02a5">Not started</Status>
-    <Background xmlns="71af3243-3dd4-4a8d-8c0d-dd76da1f02a5">false</Background>
-    <_ip_UnifiedCompliancePolicyProperties xmlns="http://schemas.microsoft.com/sharepoint/v3" xsi:nil="true"/>
-    <ImageTagsTaxHTField xmlns="71af3243-3dd4-4a8d-8c0d-dd76da1f02a5">
-      <Terms xmlns="http://schemas.microsoft.com/office/infopath/2007/PartnerControls"/>
-    </ImageTagsTaxHTField>
-    <TaxCatchAll xmlns="230e9df3-be65-4c73-a93b-d1236ebd677e" xsi:nil="true"/>
-    <MediaServiceKeyPoints xmlns="71af3243-3dd4-4a8d-8c0d-dd76da1f02a5" xsi:nil="true"/>
-  </documentManagement>
-</p:properties>
-</file>
-
 <file path=customXml/item3.xml><?xml version="1.0" encoding="utf-8"?>
 <?mso-contentType ?>
 <FormTemplates xmlns="http://schemas.microsoft.com/sharepoint/v3/contenttype/forms">
@@ -12214,6 +12298,18 @@
 </file>
 
 <file path=customXml/itemProps1.xml><?xml version="1.0" encoding="utf-8"?>
+<ds:datastoreItem xmlns:ds="http://schemas.openxmlformats.org/officeDocument/2006/customXml" ds:itemID="{4478DEAE-E0CA-42BB-BA2E-F6A39AAEB4B0}">
+  <ds:schemaRefs>
+    <ds:schemaRef ds:uri="http://schemas.microsoft.com/office/2006/metadata/properties"/>
+    <ds:schemaRef ds:uri="http://schemas.microsoft.com/office/infopath/2007/PartnerControls"/>
+    <ds:schemaRef ds:uri="http://schemas.microsoft.com/sharepoint/v3"/>
+    <ds:schemaRef ds:uri="71af3243-3dd4-4a8d-8c0d-dd76da1f02a5"/>
+    <ds:schemaRef ds:uri="230e9df3-be65-4c73-a93b-d1236ebd677e"/>
+  </ds:schemaRefs>
+</ds:datastoreItem>
+</file>
+
+<file path=customXml/itemProps2.xml><?xml version="1.0" encoding="utf-8"?>
 <ds:datastoreItem xmlns:ds="http://schemas.openxmlformats.org/officeDocument/2006/customXml" ds:itemID="{D8CC2A95-AB18-4E2B-BAAB-ED507F826E2F}">
   <ds:schemaRefs>
     <ds:schemaRef ds:uri="http://schemas.microsoft.com/office/2006/metadata/contentType"/>
@@ -12234,18 +12330,6 @@
 </ds:datastoreItem>
 </file>
 
-<file path=customXml/itemProps2.xml><?xml version="1.0" encoding="utf-8"?>
-<ds:datastoreItem xmlns:ds="http://schemas.openxmlformats.org/officeDocument/2006/customXml" ds:itemID="{4478DEAE-E0CA-42BB-BA2E-F6A39AAEB4B0}">
-  <ds:schemaRefs>
-    <ds:schemaRef ds:uri="http://schemas.microsoft.com/office/2006/metadata/properties"/>
-    <ds:schemaRef ds:uri="http://schemas.microsoft.com/office/infopath/2007/PartnerControls"/>
-    <ds:schemaRef ds:uri="http://schemas.microsoft.com/sharepoint/v3"/>
-    <ds:schemaRef ds:uri="71af3243-3dd4-4a8d-8c0d-dd76da1f02a5"/>
-    <ds:schemaRef ds:uri="230e9df3-be65-4c73-a93b-d1236ebd677e"/>
-  </ds:schemaRefs>
-</ds:datastoreItem>
-</file>
-
 <file path=customXml/itemProps3.xml><?xml version="1.0" encoding="utf-8"?>
 <ds:datastoreItem xmlns:ds="http://schemas.openxmlformats.org/officeDocument/2006/customXml" ds:itemID="{1A1A6209-623F-4A40-A043-EF97F4DE5176}">
   <ds:schemaRefs>
